--- a/2-Java-Programmer-Modulo-II/03.Capitulo01.pptx
+++ b/2-Java-Programmer-Modulo-II/03.Capitulo01.pptx
@@ -254,7 +254,7 @@
               <a:pPr>
                 <a:defRPr/>
               </a:pPr>
-              <a:t>22/02/2012</a:t>
+              <a:t>04/04/2012</a:t>
             </a:fld>
             <a:endParaRPr lang="pt-BR"/>
           </a:p>
@@ -1680,7 +1680,7 @@
               <a:pPr>
                 <a:defRPr/>
               </a:pPr>
-              <a:t>22/02/2012</a:t>
+              <a:t>04/04/2012</a:t>
             </a:fld>
             <a:endParaRPr lang="pt-BR"/>
           </a:p>
@@ -1872,7 +1872,7 @@
               <a:pPr>
                 <a:defRPr/>
               </a:pPr>
-              <a:t>22/02/2012</a:t>
+              <a:t>04/04/2012</a:t>
             </a:fld>
             <a:endParaRPr lang="pt-BR"/>
           </a:p>
@@ -2074,7 +2074,7 @@
               <a:pPr>
                 <a:defRPr/>
               </a:pPr>
-              <a:t>22/02/2012</a:t>
+              <a:t>04/04/2012</a:t>
             </a:fld>
             <a:endParaRPr lang="pt-BR"/>
           </a:p>
@@ -2270,7 +2270,7 @@
               <a:pPr>
                 <a:defRPr/>
               </a:pPr>
-              <a:t>22/02/2012</a:t>
+              <a:t>04/04/2012</a:t>
             </a:fld>
             <a:endParaRPr lang="pt-BR"/>
           </a:p>
@@ -2776,7 +2776,7 @@
               <a:pPr>
                 <a:defRPr/>
               </a:pPr>
-              <a:t>22/02/2012</a:t>
+              <a:t>04/04/2012</a:t>
             </a:fld>
             <a:endParaRPr lang="pt-BR"/>
           </a:p>
@@ -3067,7 +3067,7 @@
               <a:pPr>
                 <a:defRPr/>
               </a:pPr>
-              <a:t>22/02/2012</a:t>
+              <a:t>04/04/2012</a:t>
             </a:fld>
             <a:endParaRPr lang="pt-BR"/>
           </a:p>
@@ -3468,7 +3468,7 @@
               <a:pPr>
                 <a:defRPr/>
               </a:pPr>
-              <a:t>22/02/2012</a:t>
+              <a:t>04/04/2012</a:t>
             </a:fld>
             <a:endParaRPr lang="pt-BR"/>
           </a:p>
@@ -3617,7 +3617,7 @@
               <a:pPr>
                 <a:defRPr/>
               </a:pPr>
-              <a:t>22/02/2012</a:t>
+              <a:t>04/04/2012</a:t>
             </a:fld>
             <a:endParaRPr lang="pt-BR"/>
           </a:p>
@@ -3734,7 +3734,7 @@
               <a:pPr>
                 <a:defRPr/>
               </a:pPr>
-              <a:t>22/02/2012</a:t>
+              <a:t>04/04/2012</a:t>
             </a:fld>
             <a:endParaRPr lang="pt-BR"/>
           </a:p>
@@ -4010,7 +4010,7 @@
               <a:pPr>
                 <a:defRPr/>
               </a:pPr>
-              <a:t>22/02/2012</a:t>
+              <a:t>04/04/2012</a:t>
             </a:fld>
             <a:endParaRPr lang="pt-BR"/>
           </a:p>
@@ -4294,7 +4294,7 @@
               <a:pPr>
                 <a:defRPr/>
               </a:pPr>
-              <a:t>22/02/2012</a:t>
+              <a:t>04/04/2012</a:t>
             </a:fld>
             <a:endParaRPr lang="pt-BR"/>
           </a:p>
@@ -4772,7 +4772,7 @@
               <a:pPr>
                 <a:defRPr/>
               </a:pPr>
-              <a:t>22/02/2012</a:t>
+              <a:t>04/04/2012</a:t>
             </a:fld>
             <a:endParaRPr lang="pt-BR"/>
           </a:p>
@@ -5436,11 +5436,7 @@
             <a:pPr eaLnBrk="1" hangingPunct="1"/>
             <a:r>
               <a:rPr lang="pt-BR" dirty="0" smtClean="0"/>
-              <a:t>A </a:t>
-            </a:r>
-            <a:r>
-              <a:rPr lang="pt-BR" dirty="0" smtClean="0"/>
-              <a:t>classe </a:t>
+              <a:t>A classe </a:t>
             </a:r>
             <a:r>
               <a:rPr lang="pt-BR" dirty="0" err="1" smtClean="0"/>
@@ -5592,11 +5588,7 @@
             <a:pPr eaLnBrk="1" hangingPunct="1"/>
             <a:r>
               <a:rPr lang="pt-BR" dirty="0" smtClean="0"/>
-              <a:t>A </a:t>
-            </a:r>
-            <a:r>
-              <a:rPr lang="pt-BR" dirty="0" smtClean="0"/>
-              <a:t>classe </a:t>
+              <a:t>A classe </a:t>
             </a:r>
             <a:r>
               <a:rPr lang="pt-BR" dirty="0" err="1" smtClean="0"/>
@@ -5749,7 +5741,6 @@
               <a:rPr lang="pt-BR" dirty="0" smtClean="0"/>
               <a:t>.util.Scanner</a:t>
             </a:r>
-            <a:endParaRPr lang="pt-BR" dirty="0" smtClean="0"/>
           </a:p>
         </p:txBody>
       </p:sp>
@@ -5778,7 +5769,6 @@
               <a:rPr lang="pt-BR" dirty="0" smtClean="0"/>
               <a:t>Exemplo</a:t>
             </a:r>
-            <a:endParaRPr lang="pt-BR" dirty="0" smtClean="0"/>
           </a:p>
           <a:p>
             <a:pPr marL="449263" lvl="8" indent="-1588">
@@ -5790,17 +5780,25 @@
             <a:pPr marL="1171575" lvl="1" indent="-419100" eaLnBrk="1" hangingPunct="1">
               <a:buNone/>
             </a:pPr>
-            <a:r>
-              <a:rPr lang="pt-BR" sz="2000" dirty="0" smtClean="0"/>
-              <a:t>Scanner</a:t>
-            </a:r>
             <a:r>
               <a:rPr lang="pt-BR" sz="2000" dirty="0" smtClean="0">
                 <a:solidFill>
                   <a:srgbClr val="FFC000"/>
                 </a:solidFill>
               </a:rPr>
+              <a:t>Scanner</a:t>
+            </a:r>
+            <a:r>
+              <a:rPr lang="pt-BR" sz="2000" dirty="0" smtClean="0"/>
               <a:t> </a:t>
+            </a:r>
+            <a:r>
+              <a:rPr lang="pt-BR" sz="2000" dirty="0" err="1" smtClean="0"/>
+              <a:t>scanner</a:t>
+            </a:r>
+            <a:r>
+              <a:rPr lang="pt-BR" sz="2000" dirty="0" smtClean="0"/>
+              <a:t> = </a:t>
             </a:r>
             <a:r>
               <a:rPr lang="pt-BR" sz="2000" dirty="0" err="1" smtClean="0">
@@ -5808,7 +5806,7 @@
                   <a:srgbClr val="FFC000"/>
                 </a:solidFill>
               </a:rPr>
-              <a:t>scanner</a:t>
+              <a:t>new</a:t>
             </a:r>
             <a:r>
               <a:rPr lang="pt-BR" sz="2000" dirty="0" smtClean="0">
@@ -5816,15 +5814,51 @@
                   <a:srgbClr val="FFC000"/>
                 </a:solidFill>
               </a:rPr>
-              <a:t> = </a:t>
+              <a:t> Scanner(System.in)</a:t>
+            </a:r>
+            <a:r>
+              <a:rPr lang="pt-BR" sz="2000" dirty="0" smtClean="0"/>
+              <a:t>;</a:t>
+            </a:r>
+          </a:p>
+          <a:p>
+            <a:pPr marL="1171575" lvl="1" indent="-419100" eaLnBrk="1" hangingPunct="1">
+              <a:buNone/>
+            </a:pPr>
+            <a:endParaRPr lang="pt-BR" sz="2000" dirty="0" smtClean="0"/>
+          </a:p>
+          <a:p>
+            <a:pPr marL="1171575" lvl="1" indent="-419100" eaLnBrk="1" hangingPunct="1">
+              <a:buNone/>
+            </a:pPr>
+            <a:r>
+              <a:rPr lang="pt-BR" sz="2000" dirty="0" smtClean="0"/>
+              <a:t>System.</a:t>
             </a:r>
             <a:r>
               <a:rPr lang="pt-BR" sz="2000" dirty="0" err="1" smtClean="0"/>
-              <a:t>new</a:t>
+              <a:t>out.print</a:t>
             </a:r>
             <a:r>
               <a:rPr lang="pt-BR" sz="2000" dirty="0" smtClean="0"/>
-              <a:t> Scanner(System.in)</a:t>
+              <a:t>(“Digite seu nome: ”);</a:t>
+            </a:r>
+          </a:p>
+          <a:p>
+            <a:pPr marL="1171575" lvl="1" indent="-419100" eaLnBrk="1" hangingPunct="1">
+              <a:buNone/>
+            </a:pPr>
+            <a:r>
+              <a:rPr lang="pt-BR" sz="2000" dirty="0" smtClean="0"/>
+              <a:t>String nome = scanner.</a:t>
+            </a:r>
+            <a:r>
+              <a:rPr lang="pt-BR" sz="2000" dirty="0" err="1" smtClean="0">
+                <a:solidFill>
+                  <a:srgbClr val="FFC000"/>
+                </a:solidFill>
+              </a:rPr>
+              <a:t>nextLine</a:t>
             </a:r>
             <a:r>
               <a:rPr lang="pt-BR" sz="2000" dirty="0" smtClean="0">
@@ -5832,6 +5866,10 @@
                   <a:srgbClr val="FFC000"/>
                 </a:solidFill>
               </a:rPr>
+              <a:t>()</a:t>
+            </a:r>
+            <a:r>
+              <a:rPr lang="pt-BR" sz="2000" dirty="0" smtClean="0"/>
               <a:t>;</a:t>
             </a:r>
           </a:p>
@@ -5839,194 +5877,80 @@
             <a:pPr marL="1171575" lvl="1" indent="-419100" eaLnBrk="1" hangingPunct="1">
               <a:buNone/>
             </a:pPr>
-            <a:endParaRPr lang="pt-BR" sz="2000" dirty="0" smtClean="0">
-              <a:solidFill>
-                <a:srgbClr val="FFC000"/>
-              </a:solidFill>
-            </a:endParaRPr>
+            <a:endParaRPr lang="pt-BR" sz="2000" dirty="0" smtClean="0"/>
           </a:p>
           <a:p>
             <a:pPr marL="1171575" lvl="1" indent="-419100" eaLnBrk="1" hangingPunct="1">
               <a:buNone/>
             </a:pPr>
+            <a:r>
+              <a:rPr lang="pt-BR" sz="2000" dirty="0" smtClean="0"/>
+              <a:t>System.</a:t>
+            </a:r>
+            <a:r>
+              <a:rPr lang="pt-BR" sz="2000" dirty="0" err="1" smtClean="0"/>
+              <a:t>out.print</a:t>
+            </a:r>
+            <a:r>
+              <a:rPr lang="pt-BR" sz="2000" dirty="0" smtClean="0"/>
+              <a:t>(“Digite sua idade: ”);</a:t>
+            </a:r>
+          </a:p>
+          <a:p>
+            <a:pPr marL="1171575" lvl="1" indent="-419100" eaLnBrk="1" hangingPunct="1">
+              <a:buNone/>
+            </a:pPr>
+            <a:r>
+              <a:rPr lang="pt-BR" sz="2000" dirty="0" err="1" smtClean="0"/>
+              <a:t>int</a:t>
+            </a:r>
+            <a:r>
+              <a:rPr lang="pt-BR" sz="2000" dirty="0" smtClean="0"/>
+              <a:t> idade = scanner.</a:t>
+            </a:r>
+            <a:r>
+              <a:rPr lang="pt-BR" sz="2000" dirty="0" err="1" smtClean="0">
+                <a:solidFill>
+                  <a:srgbClr val="FFC000"/>
+                </a:solidFill>
+              </a:rPr>
+              <a:t>nextInt</a:t>
+            </a:r>
             <a:r>
               <a:rPr lang="pt-BR" sz="2000" dirty="0" smtClean="0">
                 <a:solidFill>
                   <a:srgbClr val="FFC000"/>
                 </a:solidFill>
               </a:rPr>
-              <a:t>System.</a:t>
-            </a:r>
-            <a:r>
-              <a:rPr lang="pt-BR" sz="2000" dirty="0" err="1" smtClean="0">
-                <a:solidFill>
-                  <a:srgbClr val="FFC000"/>
-                </a:solidFill>
-              </a:rPr>
-              <a:t>out.print</a:t>
-            </a:r>
-            <a:r>
-              <a:rPr lang="pt-BR" sz="2000" dirty="0" smtClean="0">
-                <a:solidFill>
-                  <a:srgbClr val="FFC000"/>
-                </a:solidFill>
-              </a:rPr>
-              <a:t>(“Digite seu nome: ”);</a:t>
+              <a:t>()</a:t>
+            </a:r>
+            <a:r>
+              <a:rPr lang="pt-BR" sz="2000" dirty="0" smtClean="0"/>
+              <a:t>;</a:t>
             </a:r>
           </a:p>
           <a:p>
             <a:pPr marL="1171575" lvl="1" indent="-419100" eaLnBrk="1" hangingPunct="1">
               <a:buNone/>
             </a:pPr>
-            <a:r>
-              <a:rPr lang="pt-BR" sz="2000" dirty="0" smtClean="0">
-                <a:solidFill>
-                  <a:srgbClr val="FFC000"/>
-                </a:solidFill>
-              </a:rPr>
-              <a:t>String nome = scanner.</a:t>
-            </a:r>
-            <a:r>
-              <a:rPr lang="pt-BR" sz="2000" dirty="0" err="1" smtClean="0"/>
-              <a:t>nextLine</a:t>
-            </a:r>
-            <a:r>
-              <a:rPr lang="pt-BR" sz="2000" dirty="0" smtClean="0"/>
-              <a:t>()</a:t>
-            </a:r>
-            <a:r>
-              <a:rPr lang="pt-BR" sz="2000" dirty="0" smtClean="0">
-                <a:solidFill>
-                  <a:srgbClr val="FFC000"/>
-                </a:solidFill>
-              </a:rPr>
-              <a:t>;</a:t>
-            </a:r>
+            <a:endParaRPr lang="pt-BR" sz="2000" dirty="0" smtClean="0"/>
           </a:p>
           <a:p>
             <a:pPr marL="1171575" lvl="1" indent="-419100" eaLnBrk="1" hangingPunct="1">
               <a:buNone/>
             </a:pPr>
-            <a:endParaRPr lang="pt-BR" sz="2000" dirty="0" smtClean="0">
-              <a:solidFill>
-                <a:srgbClr val="FFC000"/>
-              </a:solidFill>
-            </a:endParaRPr>
-          </a:p>
-          <a:p>
-            <a:pPr marL="1171575" lvl="1" indent="-419100" eaLnBrk="1" hangingPunct="1">
-              <a:buNone/>
-            </a:pPr>
-            <a:r>
-              <a:rPr lang="pt-BR" sz="2000" dirty="0" smtClean="0">
-                <a:solidFill>
-                  <a:srgbClr val="FFC000"/>
-                </a:solidFill>
-              </a:rPr>
+            <a:r>
+              <a:rPr lang="pt-BR" sz="2000" dirty="0" smtClean="0"/>
               <a:t>System.</a:t>
             </a:r>
             <a:r>
-              <a:rPr lang="pt-BR" sz="2000" dirty="0" err="1" smtClean="0">
-                <a:solidFill>
-                  <a:srgbClr val="FFC000"/>
-                </a:solidFill>
-              </a:rPr>
-              <a:t>out.print</a:t>
-            </a:r>
-            <a:r>
-              <a:rPr lang="pt-BR" sz="2000" dirty="0" smtClean="0">
-                <a:solidFill>
-                  <a:srgbClr val="FFC000"/>
-                </a:solidFill>
-              </a:rPr>
-              <a:t>(“Digite sua idade: ”);</a:t>
-            </a:r>
-          </a:p>
-          <a:p>
-            <a:pPr marL="1171575" lvl="1" indent="-419100" eaLnBrk="1" hangingPunct="1">
-              <a:buNone/>
-            </a:pPr>
-            <a:r>
-              <a:rPr lang="pt-BR" sz="2000" dirty="0" err="1" smtClean="0">
-                <a:solidFill>
-                  <a:srgbClr val="FFC000"/>
-                </a:solidFill>
-              </a:rPr>
-              <a:t>int</a:t>
-            </a:r>
-            <a:r>
-              <a:rPr lang="pt-BR" sz="2000" dirty="0" smtClean="0">
-                <a:solidFill>
-                  <a:srgbClr val="FFC000"/>
-                </a:solidFill>
-              </a:rPr>
-              <a:t> idade = scanner.</a:t>
-            </a:r>
-            <a:r>
               <a:rPr lang="pt-BR" sz="2000" dirty="0" err="1" smtClean="0"/>
-              <a:t>nextInt</a:t>
+              <a:t>out.printf</a:t>
             </a:r>
             <a:r>
               <a:rPr lang="pt-BR" sz="2000" dirty="0" smtClean="0"/>
-              <a:t>()</a:t>
-            </a:r>
-            <a:r>
-              <a:rPr lang="pt-BR" sz="2000" dirty="0" smtClean="0">
-                <a:solidFill>
-                  <a:srgbClr val="FFC000"/>
-                </a:solidFill>
-              </a:rPr>
-              <a:t>;</a:t>
-            </a:r>
-            <a:endParaRPr lang="pt-BR" sz="2000" dirty="0" smtClean="0">
-              <a:solidFill>
-                <a:srgbClr val="FFC000"/>
-              </a:solidFill>
-            </a:endParaRPr>
-          </a:p>
-          <a:p>
-            <a:pPr marL="1171575" lvl="1" indent="-419100" eaLnBrk="1" hangingPunct="1">
-              <a:buNone/>
-            </a:pPr>
-            <a:endParaRPr lang="pt-BR" sz="2000" dirty="0" smtClean="0">
-              <a:solidFill>
-                <a:srgbClr val="FFC000"/>
-              </a:solidFill>
-            </a:endParaRPr>
-          </a:p>
-          <a:p>
-            <a:pPr marL="1171575" lvl="1" indent="-419100" eaLnBrk="1" hangingPunct="1">
-              <a:buNone/>
-            </a:pPr>
-            <a:r>
-              <a:rPr lang="pt-BR" sz="2000" dirty="0" smtClean="0">
-                <a:solidFill>
-                  <a:srgbClr val="FFC000"/>
-                </a:solidFill>
-              </a:rPr>
-              <a:t>System.</a:t>
-            </a:r>
-            <a:r>
-              <a:rPr lang="pt-BR" sz="2000" dirty="0" err="1" smtClean="0">
-                <a:solidFill>
-                  <a:srgbClr val="FFC000"/>
-                </a:solidFill>
-              </a:rPr>
-              <a:t>out.printf</a:t>
-            </a:r>
-            <a:r>
-              <a:rPr lang="pt-BR" sz="2000" dirty="0" smtClean="0">
-                <a:solidFill>
-                  <a:srgbClr val="FFC000"/>
-                </a:solidFill>
-              </a:rPr>
               <a:t>(“Parabéns %s pelos seus %d anos de vida”, nome, idade);</a:t>
             </a:r>
-            <a:endParaRPr lang="pt-BR" sz="2000" dirty="0" smtClean="0">
-              <a:solidFill>
-                <a:srgbClr val="FFC000"/>
-              </a:solidFill>
-            </a:endParaRPr>
           </a:p>
         </p:txBody>
       </p:sp>

--- a/2-Java-Programmer-Modulo-II/03.Capitulo01.pptx
+++ b/2-Java-Programmer-Modulo-II/03.Capitulo01.pptx
@@ -254,7 +254,7 @@
               <a:pPr>
                 <a:defRPr/>
               </a:pPr>
-              <a:t>04/04/2012</a:t>
+              <a:t>05/05/2012</a:t>
             </a:fld>
             <a:endParaRPr lang="pt-BR"/>
           </a:p>
@@ -1680,7 +1680,7 @@
               <a:pPr>
                 <a:defRPr/>
               </a:pPr>
-              <a:t>04/04/2012</a:t>
+              <a:t>05/05/2012</a:t>
             </a:fld>
             <a:endParaRPr lang="pt-BR"/>
           </a:p>
@@ -1872,7 +1872,7 @@
               <a:pPr>
                 <a:defRPr/>
               </a:pPr>
-              <a:t>04/04/2012</a:t>
+              <a:t>05/05/2012</a:t>
             </a:fld>
             <a:endParaRPr lang="pt-BR"/>
           </a:p>
@@ -2074,7 +2074,7 @@
               <a:pPr>
                 <a:defRPr/>
               </a:pPr>
-              <a:t>04/04/2012</a:t>
+              <a:t>05/05/2012</a:t>
             </a:fld>
             <a:endParaRPr lang="pt-BR"/>
           </a:p>
@@ -2270,7 +2270,7 @@
               <a:pPr>
                 <a:defRPr/>
               </a:pPr>
-              <a:t>04/04/2012</a:t>
+              <a:t>05/05/2012</a:t>
             </a:fld>
             <a:endParaRPr lang="pt-BR"/>
           </a:p>
@@ -2776,7 +2776,7 @@
               <a:pPr>
                 <a:defRPr/>
               </a:pPr>
-              <a:t>04/04/2012</a:t>
+              <a:t>05/05/2012</a:t>
             </a:fld>
             <a:endParaRPr lang="pt-BR"/>
           </a:p>
@@ -3067,7 +3067,7 @@
               <a:pPr>
                 <a:defRPr/>
               </a:pPr>
-              <a:t>04/04/2012</a:t>
+              <a:t>05/05/2012</a:t>
             </a:fld>
             <a:endParaRPr lang="pt-BR"/>
           </a:p>
@@ -3468,7 +3468,7 @@
               <a:pPr>
                 <a:defRPr/>
               </a:pPr>
-              <a:t>04/04/2012</a:t>
+              <a:t>05/05/2012</a:t>
             </a:fld>
             <a:endParaRPr lang="pt-BR"/>
           </a:p>
@@ -3617,7 +3617,7 @@
               <a:pPr>
                 <a:defRPr/>
               </a:pPr>
-              <a:t>04/04/2012</a:t>
+              <a:t>05/05/2012</a:t>
             </a:fld>
             <a:endParaRPr lang="pt-BR"/>
           </a:p>
@@ -3734,7 +3734,7 @@
               <a:pPr>
                 <a:defRPr/>
               </a:pPr>
-              <a:t>04/04/2012</a:t>
+              <a:t>05/05/2012</a:t>
             </a:fld>
             <a:endParaRPr lang="pt-BR"/>
           </a:p>
@@ -4010,7 +4010,7 @@
               <a:pPr>
                 <a:defRPr/>
               </a:pPr>
-              <a:t>04/04/2012</a:t>
+              <a:t>05/05/2012</a:t>
             </a:fld>
             <a:endParaRPr lang="pt-BR"/>
           </a:p>
@@ -4294,7 +4294,7 @@
               <a:pPr>
                 <a:defRPr/>
               </a:pPr>
-              <a:t>04/04/2012</a:t>
+              <a:t>05/05/2012</a:t>
             </a:fld>
             <a:endParaRPr lang="pt-BR"/>
           </a:p>
@@ -4772,7 +4772,7 @@
               <a:pPr>
                 <a:defRPr/>
               </a:pPr>
-              <a:t>04/04/2012</a:t>
+              <a:t>05/05/2012</a:t>
             </a:fld>
             <a:endParaRPr lang="pt-BR"/>
           </a:p>
@@ -5354,7 +5354,17 @@
               <a:rPr lang="pt-BR" cap="none" dirty="0" smtClean="0"/>
               <a:t>A Classe Scanner</a:t>
             </a:r>
-            <a:endParaRPr lang="pt-BR" cap="none" dirty="0"/>
+            <a:br>
+              <a:rPr lang="pt-BR" cap="none" dirty="0" smtClean="0"/>
+            </a:br>
+            <a:r>
+              <a:rPr lang="pt-BR" sz="1800" cap="none" dirty="0" smtClean="0"/>
+              <a:t>Pág. 31 a 34</a:t>
+            </a:r>
+            <a:br>
+              <a:rPr lang="pt-BR" sz="1800" cap="none" dirty="0" smtClean="0"/>
+            </a:br>
+            <a:endParaRPr lang="pt-BR" sz="1800" cap="none" dirty="0"/>
           </a:p>
         </p:txBody>
       </p:sp>

--- a/2-Java-Programmer-Modulo-II/03.Capitulo01.pptx
+++ b/2-Java-Programmer-Modulo-II/03.Capitulo01.pptx
@@ -254,7 +254,7 @@
               <a:pPr>
                 <a:defRPr/>
               </a:pPr>
-              <a:t>05/05/2012</a:t>
+              <a:t>24/09/2012</a:t>
             </a:fld>
             <a:endParaRPr lang="pt-BR"/>
           </a:p>
@@ -442,7 +442,7 @@
               <a:pPr>
                 <a:defRPr/>
               </a:pPr>
-              <a:t>‹nº›</a:t>
+              <a:t>‹#›</a:t>
             </a:fld>
             <a:endParaRPr lang="pt-BR"/>
           </a:p>
@@ -1680,7 +1680,7 @@
               <a:pPr>
                 <a:defRPr/>
               </a:pPr>
-              <a:t>05/05/2012</a:t>
+              <a:t>24/09/2012</a:t>
             </a:fld>
             <a:endParaRPr lang="pt-BR"/>
           </a:p>
@@ -1739,7 +1739,7 @@
               <a:pPr>
                 <a:defRPr/>
               </a:pPr>
-              <a:t>‹nº›</a:t>
+              <a:t>‹#›</a:t>
             </a:fld>
             <a:endParaRPr lang="pt-BR"/>
           </a:p>
@@ -1872,7 +1872,7 @@
               <a:pPr>
                 <a:defRPr/>
               </a:pPr>
-              <a:t>05/05/2012</a:t>
+              <a:t>24/09/2012</a:t>
             </a:fld>
             <a:endParaRPr lang="pt-BR"/>
           </a:p>
@@ -1931,7 +1931,7 @@
               <a:pPr>
                 <a:defRPr/>
               </a:pPr>
-              <a:t>‹nº›</a:t>
+              <a:t>‹#›</a:t>
             </a:fld>
             <a:endParaRPr lang="pt-BR"/>
           </a:p>
@@ -2074,7 +2074,7 @@
               <a:pPr>
                 <a:defRPr/>
               </a:pPr>
-              <a:t>05/05/2012</a:t>
+              <a:t>24/09/2012</a:t>
             </a:fld>
             <a:endParaRPr lang="pt-BR"/>
           </a:p>
@@ -2133,7 +2133,7 @@
               <a:pPr>
                 <a:defRPr/>
               </a:pPr>
-              <a:t>‹nº›</a:t>
+              <a:t>‹#›</a:t>
             </a:fld>
             <a:endParaRPr lang="pt-BR"/>
           </a:p>
@@ -2174,7 +2174,12 @@
             <p:ph type="title"/>
           </p:nvPr>
         </p:nvSpPr>
-        <p:spPr/>
+        <p:spPr>
+          <a:xfrm>
+            <a:off x="457200" y="274638"/>
+            <a:ext cx="8329642" cy="1143000"/>
+          </a:xfrm>
+        </p:spPr>
         <p:txBody>
           <a:bodyPr/>
           <a:lstStyle>
@@ -2184,10 +2189,10 @@
           </a:lstStyle>
           <a:p>
             <a:r>
-              <a:rPr lang="pt-BR" smtClean="0"/>
+              <a:rPr lang="pt-BR" dirty="0" smtClean="0"/>
               <a:t>Clique para editar o estilo do título mestre</a:t>
             </a:r>
-            <a:endParaRPr lang="en-US"/>
+            <a:endParaRPr lang="en-US" dirty="0"/>
           </a:p>
         </p:txBody>
       </p:sp>
@@ -2270,7 +2275,7 @@
               <a:pPr>
                 <a:defRPr/>
               </a:pPr>
-              <a:t>05/05/2012</a:t>
+              <a:t>24/09/2012</a:t>
             </a:fld>
             <a:endParaRPr lang="pt-BR"/>
           </a:p>
@@ -2329,7 +2334,7 @@
               <a:pPr>
                 <a:defRPr/>
               </a:pPr>
-              <a:t>‹nº›</a:t>
+              <a:t>‹#›</a:t>
             </a:fld>
             <a:endParaRPr lang="pt-BR"/>
           </a:p>
@@ -2776,7 +2781,7 @@
               <a:pPr>
                 <a:defRPr/>
               </a:pPr>
-              <a:t>05/05/2012</a:t>
+              <a:t>24/09/2012</a:t>
             </a:fld>
             <a:endParaRPr lang="pt-BR"/>
           </a:p>
@@ -2835,7 +2840,7 @@
               <a:pPr>
                 <a:defRPr/>
               </a:pPr>
-              <a:t>‹nº›</a:t>
+              <a:t>‹#›</a:t>
             </a:fld>
             <a:endParaRPr lang="pt-BR"/>
           </a:p>
@@ -3067,7 +3072,7 @@
               <a:pPr>
                 <a:defRPr/>
               </a:pPr>
-              <a:t>05/05/2012</a:t>
+              <a:t>24/09/2012</a:t>
             </a:fld>
             <a:endParaRPr lang="pt-BR"/>
           </a:p>
@@ -3126,7 +3131,7 @@
               <a:pPr>
                 <a:defRPr/>
               </a:pPr>
-              <a:t>‹nº›</a:t>
+              <a:t>‹#›</a:t>
             </a:fld>
             <a:endParaRPr lang="pt-BR"/>
           </a:p>
@@ -3468,7 +3473,7 @@
               <a:pPr>
                 <a:defRPr/>
               </a:pPr>
-              <a:t>05/05/2012</a:t>
+              <a:t>24/09/2012</a:t>
             </a:fld>
             <a:endParaRPr lang="pt-BR"/>
           </a:p>
@@ -3527,7 +3532,7 @@
               <a:pPr>
                 <a:defRPr/>
               </a:pPr>
-              <a:t>‹nº›</a:t>
+              <a:t>‹#›</a:t>
             </a:fld>
             <a:endParaRPr lang="pt-BR"/>
           </a:p>
@@ -3617,7 +3622,7 @@
               <a:pPr>
                 <a:defRPr/>
               </a:pPr>
-              <a:t>05/05/2012</a:t>
+              <a:t>24/09/2012</a:t>
             </a:fld>
             <a:endParaRPr lang="pt-BR"/>
           </a:p>
@@ -3676,7 +3681,7 @@
               <a:pPr>
                 <a:defRPr/>
               </a:pPr>
-              <a:t>‹nº›</a:t>
+              <a:t>‹#›</a:t>
             </a:fld>
             <a:endParaRPr lang="pt-BR"/>
           </a:p>
@@ -3734,7 +3739,7 @@
               <a:pPr>
                 <a:defRPr/>
               </a:pPr>
-              <a:t>05/05/2012</a:t>
+              <a:t>24/09/2012</a:t>
             </a:fld>
             <a:endParaRPr lang="pt-BR"/>
           </a:p>
@@ -3793,7 +3798,7 @@
               <a:pPr>
                 <a:defRPr/>
               </a:pPr>
-              <a:t>‹nº›</a:t>
+              <a:t>‹#›</a:t>
             </a:fld>
             <a:endParaRPr lang="pt-BR"/>
           </a:p>
@@ -4010,7 +4015,7 @@
               <a:pPr>
                 <a:defRPr/>
               </a:pPr>
-              <a:t>05/05/2012</a:t>
+              <a:t>24/09/2012</a:t>
             </a:fld>
             <a:endParaRPr lang="pt-BR"/>
           </a:p>
@@ -4074,7 +4079,7 @@
               <a:pPr>
                 <a:defRPr/>
               </a:pPr>
-              <a:t>‹nº›</a:t>
+              <a:t>‹#›</a:t>
             </a:fld>
             <a:endParaRPr lang="pt-BR"/>
           </a:p>
@@ -4294,7 +4299,7 @@
               <a:pPr>
                 <a:defRPr/>
               </a:pPr>
-              <a:t>05/05/2012</a:t>
+              <a:t>24/09/2012</a:t>
             </a:fld>
             <a:endParaRPr lang="pt-BR"/>
           </a:p>
@@ -4353,7 +4358,7 @@
               <a:pPr>
                 <a:defRPr/>
               </a:pPr>
-              <a:t>‹nº›</a:t>
+              <a:t>‹#›</a:t>
             </a:fld>
             <a:endParaRPr lang="pt-BR"/>
           </a:p>
@@ -4772,7 +4777,7 @@
               <a:pPr>
                 <a:defRPr/>
               </a:pPr>
-              <a:t>05/05/2012</a:t>
+              <a:t>24/09/2012</a:t>
             </a:fld>
             <a:endParaRPr lang="pt-BR"/>
           </a:p>
@@ -4875,7 +4880,7 @@
               <a:pPr>
                 <a:defRPr/>
               </a:pPr>
-              <a:t>‹nº›</a:t>
+              <a:t>‹#›</a:t>
             </a:fld>
             <a:endParaRPr lang="pt-BR"/>
           </a:p>
